--- a/Kanta/halad/Ginoo Dawata.pptx
+++ b/Kanta/halad/Ginoo Dawata.pptx
@@ -201,7 +201,7 @@
           <a:p>
             <a:fld id="{2E860BF0-D007-460F-BF20-9BF0E803D277}" type="datetimeFigureOut">
               <a:rPr lang="en-US" smtClean="0"/>
-              <a:t>2/15/2025</a:t>
+              <a:t>2/18/2026</a:t>
             </a:fld>
             <a:endParaRPr lang="en-US"/>
           </a:p>
@@ -704,7 +704,7 @@
           <a:p>
             <a:fld id="{689CB065-93CC-4F93-97CB-5160E2F98F73}" type="datetimeFigureOut">
               <a:rPr lang="en-US" smtClean="0"/>
-              <a:t>2/15/2025</a:t>
+              <a:t>2/18/2026</a:t>
             </a:fld>
             <a:endParaRPr lang="en-US"/>
           </a:p>
@@ -902,7 +902,7 @@
           <a:p>
             <a:fld id="{689CB065-93CC-4F93-97CB-5160E2F98F73}" type="datetimeFigureOut">
               <a:rPr lang="en-US" smtClean="0"/>
-              <a:t>2/15/2025</a:t>
+              <a:t>2/18/2026</a:t>
             </a:fld>
             <a:endParaRPr lang="en-US"/>
           </a:p>
@@ -1110,7 +1110,7 @@
           <a:p>
             <a:fld id="{689CB065-93CC-4F93-97CB-5160E2F98F73}" type="datetimeFigureOut">
               <a:rPr lang="en-US" smtClean="0"/>
-              <a:t>2/15/2025</a:t>
+              <a:t>2/18/2026</a:t>
             </a:fld>
             <a:endParaRPr lang="en-US"/>
           </a:p>
@@ -1308,7 +1308,7 @@
           <a:p>
             <a:fld id="{689CB065-93CC-4F93-97CB-5160E2F98F73}" type="datetimeFigureOut">
               <a:rPr lang="en-US" smtClean="0"/>
-              <a:t>2/15/2025</a:t>
+              <a:t>2/18/2026</a:t>
             </a:fld>
             <a:endParaRPr lang="en-US"/>
           </a:p>
@@ -1583,7 +1583,7 @@
           <a:p>
             <a:fld id="{689CB065-93CC-4F93-97CB-5160E2F98F73}" type="datetimeFigureOut">
               <a:rPr lang="en-US" smtClean="0"/>
-              <a:t>2/15/2025</a:t>
+              <a:t>2/18/2026</a:t>
             </a:fld>
             <a:endParaRPr lang="en-US"/>
           </a:p>
@@ -1848,7 +1848,7 @@
           <a:p>
             <a:fld id="{689CB065-93CC-4F93-97CB-5160E2F98F73}" type="datetimeFigureOut">
               <a:rPr lang="en-US" smtClean="0"/>
-              <a:t>2/15/2025</a:t>
+              <a:t>2/18/2026</a:t>
             </a:fld>
             <a:endParaRPr lang="en-US"/>
           </a:p>
@@ -2260,7 +2260,7 @@
           <a:p>
             <a:fld id="{689CB065-93CC-4F93-97CB-5160E2F98F73}" type="datetimeFigureOut">
               <a:rPr lang="en-US" smtClean="0"/>
-              <a:t>2/15/2025</a:t>
+              <a:t>2/18/2026</a:t>
             </a:fld>
             <a:endParaRPr lang="en-US"/>
           </a:p>
@@ -2401,7 +2401,7 @@
           <a:p>
             <a:fld id="{689CB065-93CC-4F93-97CB-5160E2F98F73}" type="datetimeFigureOut">
               <a:rPr lang="en-US" smtClean="0"/>
-              <a:t>2/15/2025</a:t>
+              <a:t>2/18/2026</a:t>
             </a:fld>
             <a:endParaRPr lang="en-US"/>
           </a:p>
@@ -2514,7 +2514,7 @@
           <a:p>
             <a:fld id="{689CB065-93CC-4F93-97CB-5160E2F98F73}" type="datetimeFigureOut">
               <a:rPr lang="en-US" smtClean="0"/>
-              <a:t>2/15/2025</a:t>
+              <a:t>2/18/2026</a:t>
             </a:fld>
             <a:endParaRPr lang="en-US"/>
           </a:p>
@@ -2825,7 +2825,7 @@
           <a:p>
             <a:fld id="{689CB065-93CC-4F93-97CB-5160E2F98F73}" type="datetimeFigureOut">
               <a:rPr lang="en-US" smtClean="0"/>
-              <a:t>2/15/2025</a:t>
+              <a:t>2/18/2026</a:t>
             </a:fld>
             <a:endParaRPr lang="en-US"/>
           </a:p>
@@ -3113,7 +3113,7 @@
           <a:p>
             <a:fld id="{689CB065-93CC-4F93-97CB-5160E2F98F73}" type="datetimeFigureOut">
               <a:rPr lang="en-US" smtClean="0"/>
-              <a:t>2/15/2025</a:t>
+              <a:t>2/18/2026</a:t>
             </a:fld>
             <a:endParaRPr lang="en-US"/>
           </a:p>
@@ -3357,7 +3357,7 @@
           <a:p>
             <a:fld id="{689CB065-93CC-4F93-97CB-5160E2F98F73}" type="datetimeFigureOut">
               <a:rPr lang="en-US" smtClean="0"/>
-              <a:t>2/15/2025</a:t>
+              <a:t>2/18/2026</a:t>
             </a:fld>
             <a:endParaRPr lang="en-US"/>
           </a:p>
@@ -3922,6 +3922,16 @@
           <a:p>
             <a:pPr algn="ctr"/>
             <a:r>
+              <a:rPr lang="en-US" sz="10000" dirty="0" err="1">
+                <a:solidFill>
+                  <a:schemeClr val="bg1"/>
+                </a:solidFill>
+                <a:latin typeface="Times New Roman" panose="02020603050405020304" pitchFamily="18" charset="0"/>
+                <a:cs typeface="Times New Roman" panose="02020603050405020304" pitchFamily="18" charset="0"/>
+              </a:rPr>
+              <a:t>Ginoo</a:t>
+            </a:r>
+            <a:r>
               <a:rPr lang="en-US" sz="10000" dirty="0">
                 <a:solidFill>
                   <a:schemeClr val="bg1"/>
@@ -3929,7 +3939,7 @@
                 <a:latin typeface="Times New Roman" panose="02020603050405020304" pitchFamily="18" charset="0"/>
                 <a:cs typeface="Times New Roman" panose="02020603050405020304" pitchFamily="18" charset="0"/>
               </a:rPr>
-              <a:t>Gino </a:t>
+              <a:t> </a:t>
             </a:r>
             <a:r>
               <a:rPr lang="en-US" sz="10000" dirty="0" err="1">
